--- a/docs/showcase_materials/plastic-guys_1 min pitch slide.pptx
+++ b/docs/showcase_materials/plastic-guys_1 min pitch slide.pptx
@@ -2630,6 +2630,53 @@
           <a:chExt cx="0" cy="0"/>
         </a:xfrm>
       </p:grpSpPr>
+      <p:pic>
+        <p:nvPicPr>
+          <p:cNvPr id="6" name="Picture 2" descr="image">
+            <a:extLst>
+              <a:ext uri="{FF2B5EF4-FFF2-40B4-BE49-F238E27FC236}">
+                <a16:creationId xmlns:a16="http://schemas.microsoft.com/office/drawing/2014/main" id="{4900EDA0-CEEB-476E-B251-581E92D2E31B}"/>
+              </a:ext>
+            </a:extLst>
+          </p:cNvPr>
+          <p:cNvPicPr>
+            <a:picLocks noChangeAspect="1" noChangeArrowheads="1"/>
+          </p:cNvPicPr>
+          <p:nvPr/>
+        </p:nvPicPr>
+        <p:blipFill>
+          <a:blip r:embed="rId2">
+            <a:extLst>
+              <a:ext uri="{28A0092B-C50C-407E-A947-70E740481C1C}">
+                <a14:useLocalDpi xmlns:a14="http://schemas.microsoft.com/office/drawing/2010/main" val="0"/>
+              </a:ext>
+            </a:extLst>
+          </a:blip>
+          <a:srcRect/>
+          <a:stretch>
+            <a:fillRect/>
+          </a:stretch>
+        </p:blipFill>
+        <p:spPr bwMode="auto">
+          <a:xfrm>
+            <a:off x="260163" y="4589725"/>
+            <a:ext cx="7672270" cy="1191799"/>
+          </a:xfrm>
+          <a:prstGeom prst="rect">
+            <a:avLst/>
+          </a:prstGeom>
+          <a:noFill/>
+          <a:extLst>
+            <a:ext uri="{909E8E84-426E-40DD-AFC4-6F175D3DCCD1}">
+              <a14:hiddenFill xmlns:a14="http://schemas.microsoft.com/office/drawing/2010/main">
+                <a:solidFill>
+                  <a:srgbClr val="FFFFFF"/>
+                </a:solidFill>
+              </a14:hiddenFill>
+            </a:ext>
+          </a:extLst>
+        </p:spPr>
+      </p:pic>
       <p:sp>
         <p:nvSpPr>
           <p:cNvPr id="3" name="Text Placeholder 2"/>
@@ -2761,7 +2808,7 @@
           <p:nvPr/>
         </p:nvPicPr>
         <p:blipFill>
-          <a:blip r:embed="rId2">
+          <a:blip r:embed="rId3">
             <a:extLst>
               <a:ext uri="{28A0092B-C50C-407E-A947-70E740481C1C}">
                 <a14:useLocalDpi xmlns:a14="http://schemas.microsoft.com/office/drawing/2010/main" val="0"/>
@@ -2782,6 +2829,238 @@
           </a:prstGeom>
         </p:spPr>
       </p:pic>
+      <p:sp>
+        <p:nvSpPr>
+          <p:cNvPr id="5" name="Rectangle 4">
+            <a:extLst>
+              <a:ext uri="{FF2B5EF4-FFF2-40B4-BE49-F238E27FC236}">
+                <a16:creationId xmlns:a16="http://schemas.microsoft.com/office/drawing/2014/main" id="{8E551E0F-65A0-4AA9-911D-40B2AEA0E3FC}"/>
+              </a:ext>
+            </a:extLst>
+          </p:cNvPr>
+          <p:cNvSpPr/>
+          <p:nvPr/>
+        </p:nvSpPr>
+        <p:spPr>
+          <a:xfrm>
+            <a:off x="8093223" y="4859402"/>
+            <a:ext cx="967353" cy="530900"/>
+          </a:xfrm>
+          <a:prstGeom prst="rect">
+            <a:avLst/>
+          </a:prstGeom>
+          <a:solidFill>
+            <a:srgbClr val="00B050"/>
+          </a:solidFill>
+        </p:spPr>
+        <p:style>
+          <a:lnRef idx="2">
+            <a:schemeClr val="accent1">
+              <a:shade val="50000"/>
+            </a:schemeClr>
+          </a:lnRef>
+          <a:fillRef idx="1">
+            <a:schemeClr val="accent1"/>
+          </a:fillRef>
+          <a:effectRef idx="0">
+            <a:schemeClr val="accent1"/>
+          </a:effectRef>
+          <a:fontRef idx="minor">
+            <a:schemeClr val="lt1"/>
+          </a:fontRef>
+        </p:style>
+        <p:txBody>
+          <a:bodyPr rtlCol="0" anchor="ctr"/>
+          <a:lstStyle/>
+          <a:p>
+            <a:pPr algn="ctr"/>
+            <a:r>
+              <a:rPr lang="en-US" sz="1400" b="1" dirty="0"/>
+              <a:t>Ideal plasticizer</a:t>
+            </a:r>
+          </a:p>
+        </p:txBody>
+      </p:sp>
+      <p:sp>
+        <p:nvSpPr>
+          <p:cNvPr id="8" name="Rectangle 7">
+            <a:extLst>
+              <a:ext uri="{FF2B5EF4-FFF2-40B4-BE49-F238E27FC236}">
+                <a16:creationId xmlns:a16="http://schemas.microsoft.com/office/drawing/2014/main" id="{2636DD71-02AB-4C86-B002-4CC346CF11B2}"/>
+              </a:ext>
+            </a:extLst>
+          </p:cNvPr>
+          <p:cNvSpPr/>
+          <p:nvPr/>
+        </p:nvSpPr>
+        <p:spPr>
+          <a:xfrm>
+            <a:off x="3135364" y="4751048"/>
+            <a:ext cx="967353" cy="845733"/>
+          </a:xfrm>
+          <a:prstGeom prst="rect">
+            <a:avLst/>
+          </a:prstGeom>
+          <a:noFill/>
+          <a:ln w="19050">
+            <a:solidFill>
+              <a:srgbClr val="FF0000"/>
+            </a:solidFill>
+          </a:ln>
+        </p:spPr>
+        <p:style>
+          <a:lnRef idx="2">
+            <a:schemeClr val="accent1">
+              <a:shade val="50000"/>
+            </a:schemeClr>
+          </a:lnRef>
+          <a:fillRef idx="1">
+            <a:schemeClr val="accent1"/>
+          </a:fillRef>
+          <a:effectRef idx="0">
+            <a:schemeClr val="accent1"/>
+          </a:effectRef>
+          <a:fontRef idx="minor">
+            <a:schemeClr val="lt1"/>
+          </a:fontRef>
+        </p:style>
+        <p:txBody>
+          <a:bodyPr rtlCol="0" anchor="ctr"/>
+          <a:lstStyle/>
+          <a:p>
+            <a:pPr algn="ctr"/>
+            <a:endParaRPr lang="en-US"/>
+          </a:p>
+        </p:txBody>
+      </p:sp>
+      <p:sp>
+        <p:nvSpPr>
+          <p:cNvPr id="9" name="TextBox 8">
+            <a:extLst>
+              <a:ext uri="{FF2B5EF4-FFF2-40B4-BE49-F238E27FC236}">
+                <a16:creationId xmlns:a16="http://schemas.microsoft.com/office/drawing/2014/main" id="{173EACA9-5330-49D5-9894-E571923AA0F3}"/>
+              </a:ext>
+            </a:extLst>
+          </p:cNvPr>
+          <p:cNvSpPr txBox="1"/>
+          <p:nvPr/>
+        </p:nvSpPr>
+        <p:spPr>
+          <a:xfrm>
+            <a:off x="2539671" y="5574667"/>
+            <a:ext cx="2158738" cy="369332"/>
+          </a:xfrm>
+          <a:prstGeom prst="rect">
+            <a:avLst/>
+          </a:prstGeom>
+          <a:noFill/>
+        </p:spPr>
+        <p:txBody>
+          <a:bodyPr wrap="square" rtlCol="0">
+            <a:spAutoFit/>
+          </a:bodyPr>
+          <a:lstStyle/>
+          <a:p>
+            <a:pPr algn="ctr"/>
+            <a:r>
+              <a:rPr lang="en-US" b="1" dirty="0">
+                <a:solidFill>
+                  <a:srgbClr val="FF0000"/>
+                </a:solidFill>
+              </a:rPr>
+              <a:t>Currently most used</a:t>
+            </a:r>
+          </a:p>
+        </p:txBody>
+      </p:sp>
+      <p:cxnSp>
+        <p:nvCxnSpPr>
+          <p:cNvPr id="10" name="Connector: Elbow 9">
+            <a:extLst>
+              <a:ext uri="{FF2B5EF4-FFF2-40B4-BE49-F238E27FC236}">
+                <a16:creationId xmlns:a16="http://schemas.microsoft.com/office/drawing/2014/main" id="{6328B061-B961-4697-B46D-F9E168FAC5F7}"/>
+              </a:ext>
+            </a:extLst>
+          </p:cNvPr>
+          <p:cNvCxnSpPr>
+            <a:cxnSpLocks/>
+            <a:stCxn id="8" idx="0"/>
+            <a:endCxn id="5" idx="0"/>
+          </p:cNvCxnSpPr>
+          <p:nvPr/>
+        </p:nvCxnSpPr>
+        <p:spPr>
+          <a:xfrm rot="16200000" flipH="1">
+            <a:off x="6043793" y="2326296"/>
+            <a:ext cx="108354" cy="4957859"/>
+          </a:xfrm>
+          <a:prstGeom prst="bentConnector3">
+            <a:avLst>
+              <a:gd name="adj1" fmla="val -210975"/>
+            </a:avLst>
+          </a:prstGeom>
+          <a:ln>
+            <a:solidFill>
+              <a:srgbClr val="00B050"/>
+            </a:solidFill>
+            <a:tailEnd type="triangle"/>
+          </a:ln>
+        </p:spPr>
+        <p:style>
+          <a:lnRef idx="2">
+            <a:schemeClr val="accent1"/>
+          </a:lnRef>
+          <a:fillRef idx="0">
+            <a:schemeClr val="accent1"/>
+          </a:fillRef>
+          <a:effectRef idx="1">
+            <a:schemeClr val="accent1"/>
+          </a:effectRef>
+          <a:fontRef idx="minor">
+            <a:schemeClr val="tx1"/>
+          </a:fontRef>
+        </p:style>
+      </p:cxnSp>
+      <p:sp>
+        <p:nvSpPr>
+          <p:cNvPr id="12" name="TextBox 11">
+            <a:extLst>
+              <a:ext uri="{FF2B5EF4-FFF2-40B4-BE49-F238E27FC236}">
+                <a16:creationId xmlns:a16="http://schemas.microsoft.com/office/drawing/2014/main" id="{B6749891-14C3-43AD-94EA-ADFF5C07FB87}"/>
+              </a:ext>
+            </a:extLst>
+          </p:cNvPr>
+          <p:cNvSpPr txBox="1"/>
+          <p:nvPr/>
+        </p:nvSpPr>
+        <p:spPr>
+          <a:xfrm>
+            <a:off x="5018601" y="4191091"/>
+            <a:ext cx="2158738" cy="369332"/>
+          </a:xfrm>
+          <a:prstGeom prst="rect">
+            <a:avLst/>
+          </a:prstGeom>
+          <a:noFill/>
+        </p:spPr>
+        <p:txBody>
+          <a:bodyPr wrap="square" rtlCol="0">
+            <a:spAutoFit/>
+          </a:bodyPr>
+          <a:lstStyle/>
+          <a:p>
+            <a:pPr algn="ctr"/>
+            <a:r>
+              <a:rPr lang="en-US" b="1" dirty="0">
+                <a:solidFill>
+                  <a:srgbClr val="00B050"/>
+                </a:solidFill>
+              </a:rPr>
+              <a:t>Data science</a:t>
+            </a:r>
+          </a:p>
+        </p:txBody>
+      </p:sp>
     </p:spTree>
     <p:extLst>
       <p:ext uri="{BB962C8B-B14F-4D97-AF65-F5344CB8AC3E}">

--- a/docs/showcase_materials/plastic-guys_1 min pitch slide.pptx
+++ b/docs/showcase_materials/plastic-guys_1 min pitch slide.pptx
@@ -2687,93 +2687,98 @@
             <p:ph type="body" sz="quarter" idx="11"/>
           </p:nvPr>
         </p:nvSpPr>
-        <p:spPr/>
+        <p:spPr>
+          <a:xfrm>
+            <a:off x="659305" y="1581284"/>
+            <a:ext cx="8196210" cy="4015497"/>
+          </a:xfrm>
+        </p:spPr>
         <p:txBody>
           <a:bodyPr/>
           <a:lstStyle/>
           <a:p>
             <a:r>
-              <a:rPr lang="en-US" dirty="0" err="1"/>
+              <a:rPr lang="en-US" sz="2300" dirty="0" err="1"/>
               <a:t>Plasti</a:t>
             </a:r>
             <a:r>
-              <a:rPr lang="en-US" dirty="0"/>
+              <a:rPr lang="en-US" sz="2300" dirty="0"/>
               <a:t>-guys</a:t>
             </a:r>
           </a:p>
           <a:p>
             <a:r>
-              <a:rPr lang="en-US" dirty="0"/>
+              <a:rPr lang="en-US" sz="2300" dirty="0"/>
               <a:t>Team members – Orion Dollar (Chemical Engineering), </a:t>
             </a:r>
             <a:r>
-              <a:rPr lang="en-US" dirty="0" err="1"/>
+              <a:rPr lang="en-US" sz="2300" dirty="0" err="1"/>
               <a:t>Nisarg</a:t>
             </a:r>
             <a:r>
-              <a:rPr lang="en-US" dirty="0"/>
+              <a:rPr lang="en-US" sz="2300" dirty="0"/>
               <a:t> Joshi (Chemical Engineering), Yunping Huang (Materials Science and Engineering) </a:t>
             </a:r>
           </a:p>
           <a:p>
             <a:r>
-              <a:rPr lang="en-US" dirty="0"/>
-              <a:t>Project Mentors – Tim Abraham, Todd </a:t>
-            </a:r>
-            <a:r>
-              <a:rPr lang="en-US" dirty="0" err="1"/>
+              <a:rPr lang="en-US" sz="2300" dirty="0"/>
+              <a:t>Project Mentors – </a:t>
+            </a:r>
+            <a:r>
+              <a:rPr lang="en-US" sz="2300" dirty="0" err="1"/>
+              <a:t>Panagiota</a:t>
+            </a:r>
+            <a:r>
+              <a:rPr lang="en-US" sz="2300" dirty="0"/>
+              <a:t> </a:t>
+            </a:r>
+            <a:r>
+              <a:rPr lang="en-US" sz="2300" dirty="0" err="1"/>
+              <a:t>Kyriakou</a:t>
+            </a:r>
+            <a:r>
+              <a:rPr lang="en-US" sz="2300" dirty="0"/>
+              <a:t>, Tim Abraham, Todd </a:t>
+            </a:r>
+            <a:r>
+              <a:rPr lang="en-US" sz="2300" dirty="0" err="1"/>
               <a:t>Kurth</a:t>
             </a:r>
             <a:r>
-              <a:rPr lang="en-US" dirty="0"/>
+              <a:rPr lang="en-US" sz="2300" dirty="0"/>
+              <a:t>, Spencer </a:t>
+            </a:r>
+            <a:r>
+              <a:rPr lang="en-US" sz="2300" dirty="0" err="1"/>
+              <a:t>Schaber</a:t>
+            </a:r>
+            <a:r>
+              <a:rPr lang="en-US" sz="2300" dirty="0"/>
               <a:t>, </a:t>
             </a:r>
             <a:r>
-              <a:rPr lang="en-US" dirty="0" err="1"/>
-              <a:t>Giota</a:t>
-            </a:r>
-            <a:r>
-              <a:rPr lang="en-US" dirty="0"/>
+              <a:rPr lang="en-US" sz="2300" dirty="0" err="1"/>
+              <a:t>Alper</a:t>
+            </a:r>
+            <a:r>
+              <a:rPr lang="en-US" sz="2300" dirty="0"/>
               <a:t> </a:t>
             </a:r>
             <a:r>
-              <a:rPr lang="en-US" dirty="0" err="1"/>
-              <a:t>Kyriakou</a:t>
-            </a:r>
-            <a:r>
-              <a:rPr lang="en-US" dirty="0"/>
-              <a:t>, Spencer </a:t>
-            </a:r>
-            <a:r>
-              <a:rPr lang="en-US" dirty="0" err="1"/>
-              <a:t>Schaber</a:t>
-            </a:r>
-            <a:r>
-              <a:rPr lang="en-US" dirty="0"/>
-              <a:t>, </a:t>
-            </a:r>
-            <a:r>
-              <a:rPr lang="en-US" dirty="0" err="1"/>
-              <a:t>Alper</a:t>
-            </a:r>
-            <a:r>
-              <a:rPr lang="en-US" dirty="0"/>
-              <a:t> </a:t>
-            </a:r>
-            <a:r>
-              <a:rPr lang="en-US" dirty="0" err="1"/>
+              <a:rPr lang="en-US" sz="2300" dirty="0" err="1"/>
               <a:t>Yarasik</a:t>
             </a:r>
             <a:r>
-              <a:rPr lang="en-US" dirty="0"/>
-              <a:t> (Cargill)</a:t>
-            </a:r>
-          </a:p>
-          <a:p>
-            <a:endParaRPr lang="en-US" dirty="0"/>
-          </a:p>
-          <a:p>
-            <a:endParaRPr lang="en-US" dirty="0"/>
+              <a:rPr lang="en-US" sz="2300" dirty="0"/>
+              <a:t> (Cargill), Jim Pfaendtner (UW)</a:t>
+            </a:r>
+          </a:p>
+          <a:p>
+            <a:endParaRPr lang="en-US" sz="2300" dirty="0"/>
+          </a:p>
+          <a:p>
+            <a:endParaRPr lang="en-US" sz="2300" dirty="0"/>
           </a:p>
         </p:txBody>
       </p:sp>

--- a/docs/showcase_materials/plastic-guys_1 min pitch slide.pptx
+++ b/docs/showcase_materials/plastic-guys_1 min pitch slide.pptx
@@ -2659,7 +2659,7 @@
         </p:blipFill>
         <p:spPr bwMode="auto">
           <a:xfrm>
-            <a:off x="260163" y="4589725"/>
+            <a:off x="266582" y="3429000"/>
             <a:ext cx="7672270" cy="1191799"/>
           </a:xfrm>
           <a:prstGeom prst="rect">
@@ -2690,7 +2690,7 @@
         <p:spPr>
           <a:xfrm>
             <a:off x="659305" y="1581284"/>
-            <a:ext cx="8196210" cy="4015497"/>
+            <a:ext cx="8196210" cy="1533331"/>
           </a:xfrm>
         </p:spPr>
         <p:txBody>
@@ -2708,76 +2708,76 @@
           </a:p>
           <a:p>
             <a:r>
-              <a:rPr lang="en-US" sz="2300" dirty="0"/>
+              <a:rPr lang="en-US" sz="1600" dirty="0"/>
               <a:t>Team members – Orion Dollar (Chemical Engineering), </a:t>
             </a:r>
             <a:r>
-              <a:rPr lang="en-US" sz="2300" dirty="0" err="1"/>
+              <a:rPr lang="en-US" sz="1600" dirty="0" err="1"/>
               <a:t>Nisarg</a:t>
             </a:r>
             <a:r>
-              <a:rPr lang="en-US" sz="2300" dirty="0"/>
+              <a:rPr lang="en-US" sz="1600" dirty="0"/>
               <a:t> Joshi (Chemical Engineering), Yunping Huang (Materials Science and Engineering) </a:t>
             </a:r>
           </a:p>
           <a:p>
             <a:r>
-              <a:rPr lang="en-US" sz="2300" dirty="0"/>
+              <a:rPr lang="en-US" sz="1600" dirty="0"/>
               <a:t>Project Mentors – </a:t>
             </a:r>
             <a:r>
-              <a:rPr lang="en-US" sz="2300" dirty="0" err="1"/>
+              <a:rPr lang="en-US" sz="1600" dirty="0" err="1"/>
               <a:t>Panagiota</a:t>
             </a:r>
             <a:r>
-              <a:rPr lang="en-US" sz="2300" dirty="0"/>
+              <a:rPr lang="en-US" sz="1600" dirty="0"/>
               <a:t> </a:t>
             </a:r>
             <a:r>
-              <a:rPr lang="en-US" sz="2300" dirty="0" err="1"/>
+              <a:rPr lang="en-US" sz="1600" dirty="0" err="1"/>
               <a:t>Kyriakou</a:t>
             </a:r>
             <a:r>
-              <a:rPr lang="en-US" sz="2300" dirty="0"/>
+              <a:rPr lang="en-US" sz="1600" dirty="0"/>
               <a:t>, Tim Abraham, Todd </a:t>
             </a:r>
             <a:r>
-              <a:rPr lang="en-US" sz="2300" dirty="0" err="1"/>
+              <a:rPr lang="en-US" sz="1600" dirty="0" err="1"/>
               <a:t>Kurth</a:t>
             </a:r>
             <a:r>
-              <a:rPr lang="en-US" sz="2300" dirty="0"/>
+              <a:rPr lang="en-US" sz="1600" dirty="0"/>
               <a:t>, Spencer </a:t>
             </a:r>
             <a:r>
-              <a:rPr lang="en-US" sz="2300" dirty="0" err="1"/>
+              <a:rPr lang="en-US" sz="1600" dirty="0" err="1"/>
               <a:t>Schaber</a:t>
             </a:r>
             <a:r>
-              <a:rPr lang="en-US" sz="2300" dirty="0"/>
+              <a:rPr lang="en-US" sz="1600" dirty="0"/>
               <a:t>, </a:t>
             </a:r>
             <a:r>
-              <a:rPr lang="en-US" sz="2300" dirty="0" err="1"/>
+              <a:rPr lang="en-US" sz="1600" dirty="0" err="1"/>
               <a:t>Alper</a:t>
             </a:r>
             <a:r>
-              <a:rPr lang="en-US" sz="2300" dirty="0"/>
+              <a:rPr lang="en-US" sz="1600" dirty="0"/>
               <a:t> </a:t>
             </a:r>
             <a:r>
-              <a:rPr lang="en-US" sz="2300" dirty="0" err="1"/>
+              <a:rPr lang="en-US" sz="1600" dirty="0" err="1"/>
               <a:t>Yarasik</a:t>
             </a:r>
             <a:r>
-              <a:rPr lang="en-US" sz="2300" dirty="0"/>
+              <a:rPr lang="en-US" sz="1600" dirty="0"/>
               <a:t> (Cargill), Jim Pfaendtner (UW)</a:t>
             </a:r>
           </a:p>
           <a:p>
-            <a:endParaRPr lang="en-US" sz="2300" dirty="0"/>
-          </a:p>
-          <a:p>
+            <a:pPr marL="0" indent="0">
+              <a:buNone/>
+            </a:pPr>
             <a:endParaRPr lang="en-US" sz="2300" dirty="0"/>
           </a:p>
         </p:txBody>
@@ -2826,8 +2826,8 @@
         </p:blipFill>
         <p:spPr>
           <a:xfrm>
-            <a:off x="253744" y="5537719"/>
-            <a:ext cx="3696788" cy="1320281"/>
+            <a:off x="5387363" y="5974011"/>
+            <a:ext cx="2475169" cy="883989"/>
           </a:xfrm>
           <a:prstGeom prst="rect">
             <a:avLst/>
@@ -2848,7 +2848,7 @@
         </p:nvSpPr>
         <p:spPr>
           <a:xfrm>
-            <a:off x="8093223" y="4859402"/>
+            <a:off x="8099642" y="3698677"/>
             <a:ext cx="967353" cy="530900"/>
           </a:xfrm>
           <a:prstGeom prst="rect">
@@ -2900,7 +2900,7 @@
         </p:nvSpPr>
         <p:spPr>
           <a:xfrm>
-            <a:off x="3135364" y="4751048"/>
+            <a:off x="3141783" y="3590323"/>
             <a:ext cx="967353" cy="845733"/>
           </a:xfrm>
           <a:prstGeom prst="rect">
@@ -2952,7 +2952,7 @@
         </p:nvSpPr>
         <p:spPr>
           <a:xfrm>
-            <a:off x="2539671" y="5574667"/>
+            <a:off x="2546090" y="4413942"/>
             <a:ext cx="2158738" cy="369332"/>
           </a:xfrm>
           <a:prstGeom prst="rect">
@@ -2996,7 +2996,7 @@
         </p:nvCxnSpPr>
         <p:spPr>
           <a:xfrm rot="16200000" flipH="1">
-            <a:off x="6043793" y="2326296"/>
+            <a:off x="6050212" y="1165571"/>
             <a:ext cx="108354" cy="4957859"/>
           </a:xfrm>
           <a:prstGeom prst="bentConnector3">
@@ -3040,7 +3040,7 @@
         </p:nvSpPr>
         <p:spPr>
           <a:xfrm>
-            <a:off x="5018601" y="4191091"/>
+            <a:off x="5025020" y="3030366"/>
             <a:ext cx="2158738" cy="369332"/>
           </a:xfrm>
           <a:prstGeom prst="rect">
@@ -3066,6 +3066,167 @@
           </a:p>
         </p:txBody>
       </p:sp>
+      <p:pic>
+        <p:nvPicPr>
+          <p:cNvPr id="11" name="Picture 10">
+            <a:extLst>
+              <a:ext uri="{FF2B5EF4-FFF2-40B4-BE49-F238E27FC236}">
+                <a16:creationId xmlns:a16="http://schemas.microsoft.com/office/drawing/2014/main" id="{2EB9A089-0DBF-9E4E-A4F2-B880F59A6712}"/>
+              </a:ext>
+            </a:extLst>
+          </p:cNvPr>
+          <p:cNvPicPr>
+            <a:picLocks noChangeAspect="1"/>
+          </p:cNvPicPr>
+          <p:nvPr/>
+        </p:nvPicPr>
+        <p:blipFill>
+          <a:blip r:embed="rId4"/>
+          <a:stretch>
+            <a:fillRect/>
+          </a:stretch>
+        </p:blipFill>
+        <p:spPr>
+          <a:xfrm>
+            <a:off x="363028" y="5006047"/>
+            <a:ext cx="2329443" cy="1505179"/>
+          </a:xfrm>
+          <a:prstGeom prst="rect">
+            <a:avLst/>
+          </a:prstGeom>
+        </p:spPr>
+      </p:pic>
+      <p:sp>
+        <p:nvSpPr>
+          <p:cNvPr id="13" name="Oval 12">
+            <a:extLst>
+              <a:ext uri="{FF2B5EF4-FFF2-40B4-BE49-F238E27FC236}">
+                <a16:creationId xmlns:a16="http://schemas.microsoft.com/office/drawing/2014/main" id="{3329FAF8-1237-4245-B4B3-0646D35AB63F}"/>
+              </a:ext>
+            </a:extLst>
+          </p:cNvPr>
+          <p:cNvSpPr/>
+          <p:nvPr/>
+        </p:nvSpPr>
+        <p:spPr>
+          <a:xfrm>
+            <a:off x="4032551" y="4843572"/>
+            <a:ext cx="1359052" cy="1353940"/>
+          </a:xfrm>
+          <a:prstGeom prst="ellipse">
+            <a:avLst/>
+          </a:prstGeom>
+          <a:blipFill>
+            <a:blip r:embed="rId5"/>
+            <a:stretch>
+              <a:fillRect/>
+            </a:stretch>
+          </a:blipFill>
+        </p:spPr>
+        <p:style>
+          <a:lnRef idx="1">
+            <a:schemeClr val="accent1"/>
+          </a:lnRef>
+          <a:fillRef idx="3">
+            <a:schemeClr val="accent1"/>
+          </a:fillRef>
+          <a:effectRef idx="2">
+            <a:schemeClr val="accent1"/>
+          </a:effectRef>
+          <a:fontRef idx="minor">
+            <a:schemeClr val="lt1"/>
+          </a:fontRef>
+        </p:style>
+        <p:txBody>
+          <a:bodyPr rtlCol="0" anchor="ctr"/>
+          <a:lstStyle/>
+          <a:p>
+            <a:pPr algn="ctr"/>
+            <a:endParaRPr lang="en-US"/>
+          </a:p>
+        </p:txBody>
+      </p:sp>
+      <p:cxnSp>
+        <p:nvCxnSpPr>
+          <p:cNvPr id="14" name="Straight Connector 13">
+            <a:extLst>
+              <a:ext uri="{FF2B5EF4-FFF2-40B4-BE49-F238E27FC236}">
+                <a16:creationId xmlns:a16="http://schemas.microsoft.com/office/drawing/2014/main" id="{B7F51A84-0479-FB4E-9065-487F9A5FB901}"/>
+              </a:ext>
+            </a:extLst>
+          </p:cNvPr>
+          <p:cNvCxnSpPr>
+            <a:cxnSpLocks/>
+            <a:endCxn id="13" idx="4"/>
+          </p:cNvCxnSpPr>
+          <p:nvPr/>
+        </p:nvCxnSpPr>
+        <p:spPr>
+          <a:xfrm>
+            <a:off x="2134053" y="5826247"/>
+            <a:ext cx="2578024" cy="371265"/>
+          </a:xfrm>
+          <a:prstGeom prst="line">
+            <a:avLst/>
+          </a:prstGeom>
+          <a:ln w="12700"/>
+          <a:effectLst/>
+        </p:spPr>
+        <p:style>
+          <a:lnRef idx="2">
+            <a:schemeClr val="accent1"/>
+          </a:lnRef>
+          <a:fillRef idx="0">
+            <a:schemeClr val="accent1"/>
+          </a:fillRef>
+          <a:effectRef idx="1">
+            <a:schemeClr val="accent1"/>
+          </a:effectRef>
+          <a:fontRef idx="minor">
+            <a:schemeClr val="tx1"/>
+          </a:fontRef>
+        </p:style>
+      </p:cxnSp>
+      <p:cxnSp>
+        <p:nvCxnSpPr>
+          <p:cNvPr id="15" name="Straight Connector 14">
+            <a:extLst>
+              <a:ext uri="{FF2B5EF4-FFF2-40B4-BE49-F238E27FC236}">
+                <a16:creationId xmlns:a16="http://schemas.microsoft.com/office/drawing/2014/main" id="{4685CFFD-57C2-C342-B9C5-6C3D0339E85A}"/>
+              </a:ext>
+            </a:extLst>
+          </p:cNvPr>
+          <p:cNvCxnSpPr>
+            <a:cxnSpLocks/>
+          </p:cNvCxnSpPr>
+          <p:nvPr/>
+        </p:nvCxnSpPr>
+        <p:spPr>
+          <a:xfrm flipV="1">
+            <a:off x="2134053" y="4917440"/>
+            <a:ext cx="2275387" cy="908808"/>
+          </a:xfrm>
+          <a:prstGeom prst="line">
+            <a:avLst/>
+          </a:prstGeom>
+          <a:ln w="12700"/>
+          <a:effectLst/>
+        </p:spPr>
+        <p:style>
+          <a:lnRef idx="2">
+            <a:schemeClr val="accent1"/>
+          </a:lnRef>
+          <a:fillRef idx="0">
+            <a:schemeClr val="accent1"/>
+          </a:fillRef>
+          <a:effectRef idx="1">
+            <a:schemeClr val="accent1"/>
+          </a:effectRef>
+          <a:fontRef idx="minor">
+            <a:schemeClr val="tx1"/>
+          </a:fontRef>
+        </p:style>
+      </p:cxnSp>
     </p:spTree>
     <p:extLst>
       <p:ext uri="{BB962C8B-B14F-4D97-AF65-F5344CB8AC3E}">
